--- a/docs/DFootnote.pptx
+++ b/docs/DFootnote.pptx
@@ -205,7 +205,7 @@
           <a:p>
             <a:fld id="{4D2A5A54-57FA-4281-A6F5-1860CF48FA07}" type="datetimeFigureOut">
               <a:rPr lang="en-US" smtClean="0"/>
-              <a:t>11/18/2019</a:t>
+              <a:t>1/25/2021</a:t>
             </a:fld>
             <a:endParaRPr lang="en-US"/>
           </a:p>
@@ -7554,7 +7554,7 @@
           <a:p>
             <a:r>
               <a:rPr lang="en-US" sz="2800" dirty="0"/>
-              <a:t>A footnote is additional text that usually appears at the bottom of a book’s page and is referenced within the page.</a:t>
+              <a:t>A footnote is additional information about a certain part of the text. The footnote usually appears at the bottom of a book’s page.</a:t>
             </a:r>
           </a:p>
           <a:p>
@@ -7580,14 +7580,14 @@
             <a:pPr lvl="1"/>
             <a:r>
               <a:rPr lang="en-US" sz="2400" dirty="0"/>
-              <a:t>There are proper names, words or terms that differ between various Bible versions</a:t>
+              <a:t>There are names or other words that differ between various Bible versions.</a:t>
             </a:r>
           </a:p>
           <a:p>
             <a:pPr lvl="1"/>
             <a:r>
               <a:rPr lang="en-US" sz="2400" dirty="0"/>
-              <a:t>There are missing words or verses in the ULB. (There may be text in one Bible version that is not present in the ULB.)</a:t>
+              <a:t>Some versions of the Bible have words or verses that are not in the ULB.</a:t>
             </a:r>
           </a:p>
         </p:txBody>
@@ -11403,7 +11403,7 @@
             </a:br>
             <a:r>
               <a:rPr lang="en-US" dirty="0"/>
-              <a:t>mark with: </a:t>
+              <a:t>mark with </a:t>
             </a:r>
             <a:r>
               <a:rPr lang="en-US" sz="2400" b="1" dirty="0">
@@ -11433,7 +11433,7 @@
             </a:pPr>
             <a:r>
               <a:rPr lang="en-US" dirty="0"/>
-              <a:t>Replace the ending quotation mark with: </a:t>
+              <a:t>Replace the ending quotation mark with </a:t>
             </a:r>
             <a:br>
               <a:rPr lang="en-US" dirty="0"/>
@@ -12552,15 +12552,18 @@
             </a:pPr>
             <a:r>
               <a:rPr lang="en-US" sz="2800" dirty="0"/>
-              <a:t>Translate the text </a:t>
+              <a:t>Translate the </a:t>
             </a:r>
             <a:br>
               <a:rPr lang="en-US" sz="2800" dirty="0"/>
             </a:br>
             <a:r>
               <a:rPr lang="en-US" sz="2800" dirty="0"/>
-              <a:t>of the footnote.</a:t>
-            </a:r>
+              <a:t>footnote.</a:t>
+            </a:r>
+            <a:br>
+              <a:rPr lang="en-US" sz="2800" dirty="0"/>
+            </a:br>
             <a:br>
               <a:rPr lang="en-US" sz="2800" dirty="0"/>
             </a:br>
@@ -13957,6 +13960,21 @@
 </file>
 
 <file path=customXml/item1.xml><?xml version="1.0" encoding="utf-8"?>
+<?mso-contentType ?>
+<FormTemplates xmlns="http://schemas.microsoft.com/sharepoint/v3/contenttype/forms">
+  <Display>DocumentLibraryForm</Display>
+  <Edit>DocumentLibraryForm</Edit>
+  <New>DocumentLibraryForm</New>
+</FormTemplates>
+</file>
+
+<file path=customXml/item2.xml><?xml version="1.0" encoding="utf-8"?>
+<p:properties xmlns:p="http://schemas.microsoft.com/office/2006/metadata/properties" xmlns:xsi="http://www.w3.org/2001/XMLSchema-instance" xmlns:pc="http://schemas.microsoft.com/office/infopath/2007/PartnerControls">
+  <documentManagement/>
+</p:properties>
+</file>
+
+<file path=customXml/item3.xml><?xml version="1.0" encoding="utf-8"?>
 <ct:contentTypeSchema xmlns:ct="http://schemas.microsoft.com/office/2006/metadata/contentType" xmlns:ma="http://schemas.microsoft.com/office/2006/metadata/properties/metaAttributes" ct:_="" ma:_="" ma:contentTypeName="Document" ma:contentTypeID="0x0101005AB3623AC358204B8459D60480BA9C2B" ma:contentTypeVersion="12" ma:contentTypeDescription="Create a new document." ma:contentTypeScope="" ma:versionID="d3005fe9c78495323023aeced5280a50">
   <xsd:schema xmlns:xsd="http://www.w3.org/2001/XMLSchema" xmlns:xs="http://www.w3.org/2001/XMLSchema" xmlns:p="http://schemas.microsoft.com/office/2006/metadata/properties" xmlns:ns3="e6b6b08c-4e37-4703-b140-b9e21b970c4f" xmlns:ns4="63ebc9d3-73c5-43d0-b794-270dc3c2d1a0" targetNamespace="http://schemas.microsoft.com/office/2006/metadata/properties" ma:root="true" ma:fieldsID="0b9151cbda91d7d860fe7297b2c5ad24" ns3:_="" ns4:_="">
     <xsd:import namespace="e6b6b08c-4e37-4703-b140-b9e21b970c4f"/>
@@ -14173,36 +14191,10 @@
 </ct:contentTypeSchema>
 </file>
 
-<file path=customXml/item2.xml><?xml version="1.0" encoding="utf-8"?>
-<p:properties xmlns:p="http://schemas.microsoft.com/office/2006/metadata/properties" xmlns:xsi="http://www.w3.org/2001/XMLSchema-instance" xmlns:pc="http://schemas.microsoft.com/office/infopath/2007/PartnerControls">
-  <documentManagement/>
-</p:properties>
-</file>
-
-<file path=customXml/item3.xml><?xml version="1.0" encoding="utf-8"?>
-<?mso-contentType ?>
-<FormTemplates xmlns="http://schemas.microsoft.com/sharepoint/v3/contenttype/forms">
-  <Display>DocumentLibraryForm</Display>
-  <Edit>DocumentLibraryForm</Edit>
-  <New>DocumentLibraryForm</New>
-</FormTemplates>
-</file>
-
 <file path=customXml/itemProps1.xml><?xml version="1.0" encoding="utf-8"?>
-<ds:datastoreItem xmlns:ds="http://schemas.openxmlformats.org/officeDocument/2006/customXml" ds:itemID="{EEEB1E18-1527-4724-AEDB-E4EBC76D73AB}">
+<ds:datastoreItem xmlns:ds="http://schemas.openxmlformats.org/officeDocument/2006/customXml" ds:itemID="{64CFF4CB-2157-4462-882E-7C7509AE6A60}">
   <ds:schemaRefs>
-    <ds:schemaRef ds:uri="http://schemas.microsoft.com/office/2006/metadata/contentType"/>
-    <ds:schemaRef ds:uri="http://schemas.microsoft.com/office/2006/metadata/properties/metaAttributes"/>
-    <ds:schemaRef ds:uri="http://www.w3.org/2001/XMLSchema"/>
-    <ds:schemaRef ds:uri="http://schemas.microsoft.com/office/2006/metadata/properties"/>
-    <ds:schemaRef ds:uri="e6b6b08c-4e37-4703-b140-b9e21b970c4f"/>
-    <ds:schemaRef ds:uri="63ebc9d3-73c5-43d0-b794-270dc3c2d1a0"/>
-    <ds:schemaRef ds:uri="http://schemas.microsoft.com/office/2006/documentManagement/types"/>
-    <ds:schemaRef ds:uri="http://schemas.microsoft.com/office/infopath/2007/PartnerControls"/>
-    <ds:schemaRef ds:uri="http://schemas.openxmlformats.org/package/2006/metadata/core-properties"/>
-    <ds:schemaRef ds:uri="http://purl.org/dc/elements/1.1/"/>
-    <ds:schemaRef ds:uri="http://purl.org/dc/terms/"/>
-    <ds:schemaRef ds:uri="http://schemas.microsoft.com/internal/obd"/>
+    <ds:schemaRef ds:uri="http://schemas.microsoft.com/sharepoint/v3/contenttype/forms"/>
   </ds:schemaRefs>
 </ds:datastoreItem>
 </file>
@@ -14225,9 +14217,20 @@
 </file>
 
 <file path=customXml/itemProps3.xml><?xml version="1.0" encoding="utf-8"?>
-<ds:datastoreItem xmlns:ds="http://schemas.openxmlformats.org/officeDocument/2006/customXml" ds:itemID="{64CFF4CB-2157-4462-882E-7C7509AE6A60}">
+<ds:datastoreItem xmlns:ds="http://schemas.openxmlformats.org/officeDocument/2006/customXml" ds:itemID="{EEEB1E18-1527-4724-AEDB-E4EBC76D73AB}">
   <ds:schemaRefs>
-    <ds:schemaRef ds:uri="http://schemas.microsoft.com/sharepoint/v3/contenttype/forms"/>
+    <ds:schemaRef ds:uri="http://schemas.microsoft.com/office/2006/metadata/contentType"/>
+    <ds:schemaRef ds:uri="http://schemas.microsoft.com/office/2006/metadata/properties/metaAttributes"/>
+    <ds:schemaRef ds:uri="http://www.w3.org/2001/XMLSchema"/>
+    <ds:schemaRef ds:uri="http://schemas.microsoft.com/office/2006/metadata/properties"/>
+    <ds:schemaRef ds:uri="e6b6b08c-4e37-4703-b140-b9e21b970c4f"/>
+    <ds:schemaRef ds:uri="63ebc9d3-73c5-43d0-b794-270dc3c2d1a0"/>
+    <ds:schemaRef ds:uri="http://schemas.microsoft.com/office/2006/documentManagement/types"/>
+    <ds:schemaRef ds:uri="http://schemas.microsoft.com/office/infopath/2007/PartnerControls"/>
+    <ds:schemaRef ds:uri="http://schemas.openxmlformats.org/package/2006/metadata/core-properties"/>
+    <ds:schemaRef ds:uri="http://purl.org/dc/elements/1.1/"/>
+    <ds:schemaRef ds:uri="http://purl.org/dc/terms/"/>
+    <ds:schemaRef ds:uri="http://schemas.microsoft.com/internal/obd"/>
   </ds:schemaRefs>
 </ds:datastoreItem>
 </file>
--- a/docs/DFootnote.pptx
+++ b/docs/DFootnote.pptx
@@ -11454,14 +11454,14 @@
                 <a:latin typeface="Courier New" panose="02070309020205020404" pitchFamily="49" charset="0"/>
                 <a:cs typeface="Courier New" panose="02070309020205020404" pitchFamily="49" charset="0"/>
               </a:rPr>
-              <a:t>fqb</a:t>
+              <a:t>fqa</a:t>
             </a:r>
             <a:r>
               <a:rPr lang="en-US" sz="2600" b="1" dirty="0">
                 <a:latin typeface="Courier New" panose="02070309020205020404" pitchFamily="49" charset="0"/>
                 <a:cs typeface="Courier New" panose="02070309020205020404" pitchFamily="49" charset="0"/>
               </a:rPr>
-              <a:t> </a:t>
+              <a:t>* </a:t>
             </a:r>
             <a:endParaRPr lang="en-US" sz="2600" dirty="0"/>
           </a:p>
@@ -11633,161 +11633,170 @@
           </p:txBody>
         </p:sp>
       </p:grpSp>
-      <p:grpSp>
-        <p:nvGrpSpPr>
-          <p:cNvPr id="14" name="Group 13">
+      <p:pic>
+        <p:nvPicPr>
+          <p:cNvPr id="13" name="Picture 12">
             <a:extLst>
               <a:ext uri="{FF2B5EF4-FFF2-40B4-BE49-F238E27FC236}">
-                <a16:creationId xmlns:a16="http://schemas.microsoft.com/office/drawing/2014/main" id="{8A0CBD59-740C-4BF7-9589-83313E8F70A4}"/>
+                <a16:creationId xmlns:a16="http://schemas.microsoft.com/office/drawing/2014/main" id="{D7D053D1-E9D6-4CD7-A640-C01DFDC07404}"/>
               </a:ext>
             </a:extLst>
           </p:cNvPr>
-          <p:cNvGrpSpPr/>
+          <p:cNvPicPr>
+            <a:picLocks noChangeAspect="1"/>
+          </p:cNvPicPr>
           <p:nvPr/>
-        </p:nvGrpSpPr>
-        <p:grpSpPr>
+        </p:nvPicPr>
+        <p:blipFill>
+          <a:blip r:embed="rId4"/>
+          <a:stretch>
+            <a:fillRect/>
+          </a:stretch>
+        </p:blipFill>
+        <p:spPr>
           <a:xfrm>
             <a:off x="7073902" y="4753915"/>
             <a:ext cx="4887034" cy="1474641"/>
-            <a:chOff x="6842254" y="4810971"/>
-            <a:chExt cx="4887034" cy="1474641"/>
           </a:xfrm>
-        </p:grpSpPr>
-        <p:pic>
-          <p:nvPicPr>
-            <p:cNvPr id="13" name="Picture 12">
-              <a:extLst>
-                <a:ext uri="{FF2B5EF4-FFF2-40B4-BE49-F238E27FC236}">
-                  <a16:creationId xmlns:a16="http://schemas.microsoft.com/office/drawing/2014/main" id="{D7D053D1-E9D6-4CD7-A640-C01DFDC07404}"/>
-                </a:ext>
-              </a:extLst>
-            </p:cNvPr>
-            <p:cNvPicPr>
-              <a:picLocks noChangeAspect="1"/>
-            </p:cNvPicPr>
-            <p:nvPr/>
-          </p:nvPicPr>
-          <p:blipFill>
-            <a:blip r:embed="rId4"/>
-            <a:stretch>
-              <a:fillRect/>
-            </a:stretch>
-          </p:blipFill>
-          <p:spPr>
-            <a:xfrm>
-              <a:off x="6842254" y="4810971"/>
-              <a:ext cx="4887034" cy="1474641"/>
-            </a:xfrm>
-            <a:prstGeom prst="rect">
-              <a:avLst/>
-            </a:prstGeom>
-          </p:spPr>
-        </p:pic>
-        <p:sp>
-          <p:nvSpPr>
-            <p:cNvPr id="8" name="Rectangle 7">
-              <a:extLst>
-                <a:ext uri="{FF2B5EF4-FFF2-40B4-BE49-F238E27FC236}">
-                  <a16:creationId xmlns:a16="http://schemas.microsoft.com/office/drawing/2014/main" id="{7324AEC7-595A-49A4-8E2E-CA8F7CCD369B}"/>
-                </a:ext>
-              </a:extLst>
-            </p:cNvPr>
-            <p:cNvSpPr/>
-            <p:nvPr/>
-          </p:nvSpPr>
-          <p:spPr>
-            <a:xfrm>
-              <a:off x="8367000" y="5444565"/>
-              <a:ext cx="480550" cy="328473"/>
-            </a:xfrm>
-            <a:prstGeom prst="rect">
-              <a:avLst/>
-            </a:prstGeom>
-            <a:noFill/>
-            <a:ln w="34925">
-              <a:solidFill>
-                <a:srgbClr val="FF0000"/>
-              </a:solidFill>
-            </a:ln>
-          </p:spPr>
-          <p:style>
-            <a:lnRef idx="2">
-              <a:schemeClr val="accent1">
-                <a:shade val="50000"/>
-              </a:schemeClr>
-            </a:lnRef>
-            <a:fillRef idx="1">
-              <a:schemeClr val="accent1"/>
-            </a:fillRef>
-            <a:effectRef idx="0">
-              <a:schemeClr val="accent1"/>
-            </a:effectRef>
-            <a:fontRef idx="minor">
-              <a:schemeClr val="lt1"/>
-            </a:fontRef>
-          </p:style>
-          <p:txBody>
-            <a:bodyPr rtlCol="0" anchor="ctr"/>
-            <a:lstStyle/>
-            <a:p>
-              <a:pPr algn="ctr"/>
-              <a:endParaRPr lang="en-US"/>
-            </a:p>
-          </p:txBody>
-        </p:sp>
-        <p:sp>
-          <p:nvSpPr>
-            <p:cNvPr id="9" name="Rectangle 8">
-              <a:extLst>
-                <a:ext uri="{FF2B5EF4-FFF2-40B4-BE49-F238E27FC236}">
-                  <a16:creationId xmlns:a16="http://schemas.microsoft.com/office/drawing/2014/main" id="{EFAEDF6A-F610-4741-BD54-5DC9E1323034}"/>
-                </a:ext>
-              </a:extLst>
-            </p:cNvPr>
-            <p:cNvSpPr/>
-            <p:nvPr/>
-          </p:nvSpPr>
-          <p:spPr>
-            <a:xfrm>
-              <a:off x="8780837" y="5865089"/>
-              <a:ext cx="480550" cy="328472"/>
-            </a:xfrm>
-            <a:prstGeom prst="rect">
-              <a:avLst/>
-            </a:prstGeom>
-            <a:noFill/>
-            <a:ln w="34925">
-              <a:solidFill>
-                <a:srgbClr val="FF0000"/>
-              </a:solidFill>
-            </a:ln>
-          </p:spPr>
-          <p:style>
-            <a:lnRef idx="2">
-              <a:schemeClr val="accent1">
-                <a:shade val="50000"/>
-              </a:schemeClr>
-            </a:lnRef>
-            <a:fillRef idx="1">
-              <a:schemeClr val="accent1"/>
-            </a:fillRef>
-            <a:effectRef idx="0">
-              <a:schemeClr val="accent1"/>
-            </a:effectRef>
-            <a:fontRef idx="minor">
-              <a:schemeClr val="lt1"/>
-            </a:fontRef>
-          </p:style>
-          <p:txBody>
-            <a:bodyPr rtlCol="0" anchor="ctr"/>
-            <a:lstStyle/>
-            <a:p>
-              <a:pPr algn="ctr"/>
-              <a:endParaRPr lang="en-US"/>
-            </a:p>
-          </p:txBody>
-        </p:sp>
-      </p:grpSp>
+          <a:prstGeom prst="rect">
+            <a:avLst/>
+          </a:prstGeom>
+        </p:spPr>
+      </p:pic>
+      <p:pic>
+        <p:nvPicPr>
+          <p:cNvPr id="4" name="Picture 3">
+            <a:extLst>
+              <a:ext uri="{FF2B5EF4-FFF2-40B4-BE49-F238E27FC236}">
+                <a16:creationId xmlns:a16="http://schemas.microsoft.com/office/drawing/2014/main" id="{4775DE0F-CA08-495B-83AA-B09A4B8284EA}"/>
+              </a:ext>
+            </a:extLst>
+          </p:cNvPr>
+          <p:cNvPicPr>
+            <a:picLocks noChangeAspect="1"/>
+          </p:cNvPicPr>
+          <p:nvPr/>
+        </p:nvPicPr>
+        <p:blipFill>
+          <a:blip r:embed="rId5"/>
+          <a:stretch>
+            <a:fillRect/>
+          </a:stretch>
+        </p:blipFill>
+        <p:spPr>
+          <a:xfrm>
+            <a:off x="7075222" y="4752366"/>
+            <a:ext cx="4885714" cy="1476190"/>
+          </a:xfrm>
+          <a:prstGeom prst="rect">
+            <a:avLst/>
+          </a:prstGeom>
+        </p:spPr>
+      </p:pic>
+      <p:sp>
+        <p:nvSpPr>
+          <p:cNvPr id="8" name="Rectangle 7">
+            <a:extLst>
+              <a:ext uri="{FF2B5EF4-FFF2-40B4-BE49-F238E27FC236}">
+                <a16:creationId xmlns:a16="http://schemas.microsoft.com/office/drawing/2014/main" id="{7324AEC7-595A-49A4-8E2E-CA8F7CCD369B}"/>
+              </a:ext>
+            </a:extLst>
+          </p:cNvPr>
+          <p:cNvSpPr/>
+          <p:nvPr/>
+        </p:nvSpPr>
+        <p:spPr>
+          <a:xfrm>
+            <a:off x="8609481" y="5444390"/>
+            <a:ext cx="480550" cy="328473"/>
+          </a:xfrm>
+          <a:prstGeom prst="rect">
+            <a:avLst/>
+          </a:prstGeom>
+          <a:noFill/>
+          <a:ln w="34925">
+            <a:solidFill>
+              <a:srgbClr val="FF0000"/>
+            </a:solidFill>
+          </a:ln>
+        </p:spPr>
+        <p:style>
+          <a:lnRef idx="2">
+            <a:schemeClr val="accent1">
+              <a:shade val="50000"/>
+            </a:schemeClr>
+          </a:lnRef>
+          <a:fillRef idx="1">
+            <a:schemeClr val="accent1"/>
+          </a:fillRef>
+          <a:effectRef idx="0">
+            <a:schemeClr val="accent1"/>
+          </a:effectRef>
+          <a:fontRef idx="minor">
+            <a:schemeClr val="lt1"/>
+          </a:fontRef>
+        </p:style>
+        <p:txBody>
+          <a:bodyPr rtlCol="0" anchor="ctr"/>
+          <a:lstStyle/>
+          <a:p>
+            <a:pPr algn="ctr"/>
+            <a:endParaRPr lang="en-US"/>
+          </a:p>
+        </p:txBody>
+      </p:sp>
+      <p:sp>
+        <p:nvSpPr>
+          <p:cNvPr id="9" name="Rectangle 8">
+            <a:extLst>
+              <a:ext uri="{FF2B5EF4-FFF2-40B4-BE49-F238E27FC236}">
+                <a16:creationId xmlns:a16="http://schemas.microsoft.com/office/drawing/2014/main" id="{EFAEDF6A-F610-4741-BD54-5DC9E1323034}"/>
+              </a:ext>
+            </a:extLst>
+          </p:cNvPr>
+          <p:cNvSpPr/>
+          <p:nvPr/>
+        </p:nvSpPr>
+        <p:spPr>
+          <a:xfrm>
+            <a:off x="9074093" y="5824969"/>
+            <a:ext cx="481238" cy="328472"/>
+          </a:xfrm>
+          <a:prstGeom prst="rect">
+            <a:avLst/>
+          </a:prstGeom>
+          <a:noFill/>
+          <a:ln w="34925">
+            <a:solidFill>
+              <a:srgbClr val="FF0000"/>
+            </a:solidFill>
+          </a:ln>
+        </p:spPr>
+        <p:style>
+          <a:lnRef idx="2">
+            <a:schemeClr val="accent1">
+              <a:shade val="50000"/>
+            </a:schemeClr>
+          </a:lnRef>
+          <a:fillRef idx="1">
+            <a:schemeClr val="accent1"/>
+          </a:fillRef>
+          <a:effectRef idx="0">
+            <a:schemeClr val="accent1"/>
+          </a:effectRef>
+          <a:fontRef idx="minor">
+            <a:schemeClr val="lt1"/>
+          </a:fontRef>
+        </p:style>
+        <p:txBody>
+          <a:bodyPr rtlCol="0" anchor="ctr"/>
+          <a:lstStyle/>
+          <a:p>
+            <a:pPr algn="ctr"/>
+            <a:endParaRPr lang="en-US"/>
+          </a:p>
+        </p:txBody>
+      </p:sp>
     </p:spTree>
     <p:extLst>
       <p:ext uri="{BB962C8B-B14F-4D97-AF65-F5344CB8AC3E}">
@@ -12401,41 +12410,6 @@
                                         </p:tav>
                                       </p:tavLst>
                                     </p:anim>
-                                  </p:childTnLst>
-                                </p:cTn>
-                              </p:par>
-                              <p:par>
-                                <p:cTn id="39" presetID="22" presetClass="entr" presetSubtype="8" fill="hold" nodeType="withEffect">
-                                  <p:stCondLst>
-                                    <p:cond delay="0"/>
-                                  </p:stCondLst>
-                                  <p:childTnLst>
-                                    <p:set>
-                                      <p:cBhvr>
-                                        <p:cTn id="40" dur="1" fill="hold">
-                                          <p:stCondLst>
-                                            <p:cond delay="0"/>
-                                          </p:stCondLst>
-                                        </p:cTn>
-                                        <p:tgtEl>
-                                          <p:spTgt spid="14"/>
-                                        </p:tgtEl>
-                                        <p:attrNameLst>
-                                          <p:attrName>style.visibility</p:attrName>
-                                        </p:attrNameLst>
-                                      </p:cBhvr>
-                                      <p:to>
-                                        <p:strVal val="visible"/>
-                                      </p:to>
-                                    </p:set>
-                                    <p:animEffect transition="in" filter="wipe(left)">
-                                      <p:cBhvr>
-                                        <p:cTn id="41" dur="500"/>
-                                        <p:tgtEl>
-                                          <p:spTgt spid="14"/>
-                                        </p:tgtEl>
-                                      </p:cBhvr>
-                                    </p:animEffect>
                                   </p:childTnLst>
                                 </p:cTn>
                               </p:par>
@@ -12699,6 +12673,36 @@
           <a:xfrm>
             <a:off x="6372527" y="1469328"/>
             <a:ext cx="4526707" cy="2812045"/>
+          </a:xfrm>
+          <a:prstGeom prst="rect">
+            <a:avLst/>
+          </a:prstGeom>
+        </p:spPr>
+      </p:pic>
+      <p:pic>
+        <p:nvPicPr>
+          <p:cNvPr id="4" name="Picture 3">
+            <a:extLst>
+              <a:ext uri="{FF2B5EF4-FFF2-40B4-BE49-F238E27FC236}">
+                <a16:creationId xmlns:a16="http://schemas.microsoft.com/office/drawing/2014/main" id="{33BB6D4F-0F4F-4A9A-9A22-03460EF3A6F9}"/>
+              </a:ext>
+            </a:extLst>
+          </p:cNvPr>
+          <p:cNvPicPr>
+            <a:picLocks noChangeAspect="1"/>
+          </p:cNvPicPr>
+          <p:nvPr/>
+        </p:nvPicPr>
+        <p:blipFill>
+          <a:blip r:embed="rId6"/>
+          <a:stretch>
+            <a:fillRect/>
+          </a:stretch>
+        </p:blipFill>
+        <p:spPr>
+          <a:xfrm>
+            <a:off x="6372527" y="1469328"/>
+            <a:ext cx="4523809" cy="2809524"/>
           </a:xfrm>
           <a:prstGeom prst="rect">
             <a:avLst/>
@@ -14202,16 +14206,16 @@
 <file path=customXml/itemProps2.xml><?xml version="1.0" encoding="utf-8"?>
 <ds:datastoreItem xmlns:ds="http://schemas.openxmlformats.org/officeDocument/2006/customXml" ds:itemID="{D6405D58-8AA8-4FB2-A549-3AE7234CE79B}">
   <ds:schemaRefs>
-    <ds:schemaRef ds:uri="e6b6b08c-4e37-4703-b140-b9e21b970c4f"/>
+    <ds:schemaRef ds:uri="http://schemas.microsoft.com/office/2006/metadata/properties"/>
+    <ds:schemaRef ds:uri="http://schemas.microsoft.com/office/2006/documentManagement/types"/>
+    <ds:schemaRef ds:uri="http://purl.org/dc/terms/"/>
     <ds:schemaRef ds:uri="http://schemas.openxmlformats.org/package/2006/metadata/core-properties"/>
-    <ds:schemaRef ds:uri="http://purl.org/dc/elements/1.1/"/>
     <ds:schemaRef ds:uri="http://purl.org/dc/dcmitype/"/>
     <ds:schemaRef ds:uri="http://schemas.microsoft.com/office/infopath/2007/PartnerControls"/>
-    <ds:schemaRef ds:uri="http://schemas.microsoft.com/office/2006/documentManagement/types"/>
-    <ds:schemaRef ds:uri="http://schemas.microsoft.com/office/2006/metadata/properties"/>
+    <ds:schemaRef ds:uri="http://purl.org/dc/elements/1.1/"/>
     <ds:schemaRef ds:uri="63ebc9d3-73c5-43d0-b794-270dc3c2d1a0"/>
+    <ds:schemaRef ds:uri="e6b6b08c-4e37-4703-b140-b9e21b970c4f"/>
     <ds:schemaRef ds:uri="http://www.w3.org/XML/1998/namespace"/>
-    <ds:schemaRef ds:uri="http://purl.org/dc/terms/"/>
   </ds:schemaRefs>
 </ds:datastoreItem>
 </file>
